--- a/Presentation project-3.pptx
+++ b/Presentation project-3.pptx
@@ -122,11 +122,150 @@
 <file path=ppt/revisionInfo.xml><?xml version="1.0" encoding="utf-8"?>
 <p1510:revInfo xmlns:a="http://schemas.openxmlformats.org/drawingml/2006/main" xmlns:r="http://schemas.openxmlformats.org/officeDocument/2006/relationships" xmlns:p1510="http://schemas.microsoft.com/office/powerpoint/2015/10/main">
   <p1510:revLst>
-    <p1510:client id="{4813FEE1-754A-4C66-A0E2-DD2CE5444630}" v="332" dt="2023-02-22T20:03:21.332"/>
+    <p1510:client id="{7E99CA33-F6CF-41E7-B911-21C8FD32003F}" v="23" dt="2023-02-23T22:21:41.677"/>
     <p1510:client id="{C17B05F5-0F99-4914-8149-396ED6CCE3E6}" v="2" dt="2023-02-22T23:49:47.004"/>
     <p1510:client id="{D9EBB396-99F1-4898-A795-65E102A5F9E8}" v="4" dt="2023-02-22T23:49:59.402"/>
   </p1510:revLst>
 </p1510:revInfo>
+</file>
+
+<file path=ppt/changesInfos/changesInfo1.xml><?xml version="1.0" encoding="utf-8"?>
+<pc:chgInfo xmlns:a="http://schemas.openxmlformats.org/drawingml/2006/main" xmlns:r="http://schemas.openxmlformats.org/officeDocument/2006/relationships" xmlns:ac="http://schemas.microsoft.com/office/drawing/2013/main/command" xmlns:pc="http://schemas.microsoft.com/office/powerpoint/2013/main/command">
+  <pc:docChgLst>
+    <pc:chgData name="Deepika Mehanti" userId="462f0283decec8b2" providerId="LiveId" clId="{7E99CA33-F6CF-41E7-B911-21C8FD32003F}"/>
+    <pc:docChg chg="custSel modSld">
+      <pc:chgData name="Deepika Mehanti" userId="462f0283decec8b2" providerId="LiveId" clId="{7E99CA33-F6CF-41E7-B911-21C8FD32003F}" dt="2023-02-23T22:25:19.537" v="215" actId="33524"/>
+      <pc:docMkLst>
+        <pc:docMk/>
+      </pc:docMkLst>
+      <pc:sldChg chg="modSp mod">
+        <pc:chgData name="Deepika Mehanti" userId="462f0283decec8b2" providerId="LiveId" clId="{7E99CA33-F6CF-41E7-B911-21C8FD32003F}" dt="2023-02-23T22:24:38.237" v="207" actId="20577"/>
+        <pc:sldMkLst>
+          <pc:docMk/>
+          <pc:sldMk cId="23361079" sldId="256"/>
+        </pc:sldMkLst>
+        <pc:spChg chg="mod">
+          <ac:chgData name="Deepika Mehanti" userId="462f0283decec8b2" providerId="LiveId" clId="{7E99CA33-F6CF-41E7-B911-21C8FD32003F}" dt="2023-02-23T22:24:15.710" v="191" actId="1076"/>
+          <ac:spMkLst>
+            <pc:docMk/>
+            <pc:sldMk cId="23361079" sldId="256"/>
+            <ac:spMk id="2" creationId="{12732AF0-7B33-3C0B-8C9F-9C29F838F738}"/>
+          </ac:spMkLst>
+        </pc:spChg>
+        <pc:spChg chg="mod">
+          <ac:chgData name="Deepika Mehanti" userId="462f0283decec8b2" providerId="LiveId" clId="{7E99CA33-F6CF-41E7-B911-21C8FD32003F}" dt="2023-02-23T22:24:38.237" v="207" actId="20577"/>
+          <ac:spMkLst>
+            <pc:docMk/>
+            <pc:sldMk cId="23361079" sldId="256"/>
+            <ac:spMk id="3" creationId="{3CEDE4FB-0822-A336-7D82-EBAEE87DDE14}"/>
+          </ac:spMkLst>
+        </pc:spChg>
+        <pc:picChg chg="mod">
+          <ac:chgData name="Deepika Mehanti" userId="462f0283decec8b2" providerId="LiveId" clId="{7E99CA33-F6CF-41E7-B911-21C8FD32003F}" dt="2023-02-23T22:24:10.633" v="189" actId="1076"/>
+          <ac:picMkLst>
+            <pc:docMk/>
+            <pc:sldMk cId="23361079" sldId="256"/>
+            <ac:picMk id="4" creationId="{03F51375-19D7-03C1-163F-DB2FD1BE977A}"/>
+          </ac:picMkLst>
+        </pc:picChg>
+      </pc:sldChg>
+      <pc:sldChg chg="modSp mod">
+        <pc:chgData name="Deepika Mehanti" userId="462f0283decec8b2" providerId="LiveId" clId="{7E99CA33-F6CF-41E7-B911-21C8FD32003F}" dt="2023-02-23T22:19:30.085" v="170" actId="1076"/>
+        <pc:sldMkLst>
+          <pc:docMk/>
+          <pc:sldMk cId="2154362103" sldId="257"/>
+        </pc:sldMkLst>
+        <pc:spChg chg="mod">
+          <ac:chgData name="Deepika Mehanti" userId="462f0283decec8b2" providerId="LiveId" clId="{7E99CA33-F6CF-41E7-B911-21C8FD32003F}" dt="2023-02-23T22:19:30.085" v="170" actId="1076"/>
+          <ac:spMkLst>
+            <pc:docMk/>
+            <pc:sldMk cId="2154362103" sldId="257"/>
+            <ac:spMk id="2" creationId="{6EEA9B13-F57A-9F98-5A49-C74C1E40B3ED}"/>
+          </ac:spMkLst>
+        </pc:spChg>
+        <pc:picChg chg="mod">
+          <ac:chgData name="Deepika Mehanti" userId="462f0283decec8b2" providerId="LiveId" clId="{7E99CA33-F6CF-41E7-B911-21C8FD32003F}" dt="2023-02-23T21:58:16.803" v="3" actId="1076"/>
+          <ac:picMkLst>
+            <pc:docMk/>
+            <pc:sldMk cId="2154362103" sldId="257"/>
+            <ac:picMk id="1028" creationId="{8AB42B64-99D6-B536-4DB7-17E741A3A62F}"/>
+          </ac:picMkLst>
+        </pc:picChg>
+      </pc:sldChg>
+      <pc:sldChg chg="addSp delSp modSp mod">
+        <pc:chgData name="Deepika Mehanti" userId="462f0283decec8b2" providerId="LiveId" clId="{7E99CA33-F6CF-41E7-B911-21C8FD32003F}" dt="2023-02-23T22:25:19.537" v="215" actId="33524"/>
+        <pc:sldMkLst>
+          <pc:docMk/>
+          <pc:sldMk cId="4148728302" sldId="260"/>
+        </pc:sldMkLst>
+        <pc:spChg chg="mod">
+          <ac:chgData name="Deepika Mehanti" userId="462f0283decec8b2" providerId="LiveId" clId="{7E99CA33-F6CF-41E7-B911-21C8FD32003F}" dt="2023-02-23T22:09:54.283" v="4" actId="20577"/>
+          <ac:spMkLst>
+            <pc:docMk/>
+            <pc:sldMk cId="4148728302" sldId="260"/>
+            <ac:spMk id="2" creationId="{3DDA7230-5BE3-CE26-48AA-67094641C5DA}"/>
+          </ac:spMkLst>
+        </pc:spChg>
+        <pc:spChg chg="mod">
+          <ac:chgData name="Deepika Mehanti" userId="462f0283decec8b2" providerId="LiveId" clId="{7E99CA33-F6CF-41E7-B911-21C8FD32003F}" dt="2023-02-23T22:25:09.827" v="212" actId="1076"/>
+          <ac:spMkLst>
+            <pc:docMk/>
+            <pc:sldMk cId="4148728302" sldId="260"/>
+            <ac:spMk id="4" creationId="{BA1C736E-05CF-6BBD-0B78-95AA57AA8262}"/>
+          </ac:spMkLst>
+        </pc:spChg>
+        <pc:spChg chg="add mod">
+          <ac:chgData name="Deepika Mehanti" userId="462f0283decec8b2" providerId="LiveId" clId="{7E99CA33-F6CF-41E7-B911-21C8FD32003F}" dt="2023-02-23T22:25:19.537" v="215" actId="33524"/>
+          <ac:spMkLst>
+            <pc:docMk/>
+            <pc:sldMk cId="4148728302" sldId="260"/>
+            <ac:spMk id="5" creationId="{E72D853B-DDFE-0854-AE92-1E2EAD99D5FF}"/>
+          </ac:spMkLst>
+        </pc:spChg>
+        <pc:spChg chg="add mod">
+          <ac:chgData name="Deepika Mehanti" userId="462f0283decec8b2" providerId="LiveId" clId="{7E99CA33-F6CF-41E7-B911-21C8FD32003F}" dt="2023-02-23T22:25:01.606" v="210" actId="1076"/>
+          <ac:spMkLst>
+            <pc:docMk/>
+            <pc:sldMk cId="4148728302" sldId="260"/>
+            <ac:spMk id="6" creationId="{04F1EB31-D443-27CD-54A0-158BE403F0F0}"/>
+          </ac:spMkLst>
+        </pc:spChg>
+        <pc:graphicFrameChg chg="add del mod">
+          <ac:chgData name="Deepika Mehanti" userId="462f0283decec8b2" providerId="LiveId" clId="{7E99CA33-F6CF-41E7-B911-21C8FD32003F}" dt="2023-02-23T22:10:29.087" v="7" actId="478"/>
+          <ac:graphicFrameMkLst>
+            <pc:docMk/>
+            <pc:sldMk cId="4148728302" sldId="260"/>
+            <ac:graphicFrameMk id="3" creationId="{2A3FE336-068F-F70E-5003-46B94F5DCB2B}"/>
+          </ac:graphicFrameMkLst>
+        </pc:graphicFrameChg>
+        <pc:picChg chg="add mod">
+          <ac:chgData name="Deepika Mehanti" userId="462f0283decec8b2" providerId="LiveId" clId="{7E99CA33-F6CF-41E7-B911-21C8FD32003F}" dt="2023-02-23T22:21:40.404" v="177" actId="1076"/>
+          <ac:picMkLst>
+            <pc:docMk/>
+            <pc:sldMk cId="4148728302" sldId="260"/>
+            <ac:picMk id="1026" creationId="{1F51913D-4470-99D2-DB8A-BC0D03E5FF64}"/>
+          </ac:picMkLst>
+        </pc:picChg>
+        <pc:picChg chg="add mod">
+          <ac:chgData name="Deepika Mehanti" userId="462f0283decec8b2" providerId="LiveId" clId="{7E99CA33-F6CF-41E7-B911-21C8FD32003F}" dt="2023-02-23T22:21:41.674" v="178" actId="1076"/>
+          <ac:picMkLst>
+            <pc:docMk/>
+            <pc:sldMk cId="4148728302" sldId="260"/>
+            <ac:picMk id="1028" creationId="{5530DB6E-924F-FC2C-F76A-2D27D5CBF28E}"/>
+          </ac:picMkLst>
+        </pc:picChg>
+        <pc:picChg chg="del">
+          <ac:chgData name="Deepika Mehanti" userId="462f0283decec8b2" providerId="LiveId" clId="{7E99CA33-F6CF-41E7-B911-21C8FD32003F}" dt="2023-02-23T22:10:32.507" v="8" actId="478"/>
+          <ac:picMkLst>
+            <pc:docMk/>
+            <pc:sldMk cId="4148728302" sldId="260"/>
+            <ac:picMk id="2050" creationId="{CA466ADF-F59B-F761-ADC4-A457FAA41DFA}"/>
+          </ac:picMkLst>
+        </pc:picChg>
+      </pc:sldChg>
+    </pc:docChg>
+  </pc:docChgLst>
+</pc:chgInfo>
 </file>
 
 <file path=ppt/slideLayouts/slideLayout1.xml><?xml version="1.0" encoding="utf-8"?>
@@ -3486,7 +3625,7 @@
         </p:blipFill>
         <p:spPr>
           <a:xfrm>
-            <a:off x="20" y="10"/>
+            <a:off x="-178514" y="-310382"/>
             <a:ext cx="12191980" cy="6857990"/>
           </a:xfrm>
           <a:prstGeom prst="rect">
@@ -3512,8 +3651,8 @@
         </p:nvSpPr>
         <p:spPr>
           <a:xfrm>
-            <a:off x="1069847" y="758952"/>
-            <a:ext cx="9055227" cy="3794760"/>
+            <a:off x="1100015" y="1342238"/>
+            <a:ext cx="9055227" cy="2649411"/>
           </a:xfrm>
         </p:spPr>
         <p:txBody>
@@ -3523,7 +3662,7 @@
           <a:lstStyle/>
           <a:p>
             <a:r>
-              <a:rPr lang="en-US" sz="8800" b="1">
+              <a:rPr lang="en-US" sz="8800" b="1" dirty="0">
                 <a:ln w="15875">
                   <a:solidFill>
                     <a:srgbClr val="FFFFFF"/>
@@ -3533,7 +3672,7 @@
               </a:rPr>
               <a:t>Weather Check- Canada</a:t>
             </a:r>
-            <a:endParaRPr lang="en-CA" sz="8800" b="1">
+            <a:endParaRPr lang="en-CA" sz="8800" b="1" dirty="0">
               <a:ln w="15875">
                 <a:solidFill>
                   <a:srgbClr val="FFFFFF"/>
@@ -3578,12 +3717,12 @@
               </a:spcAft>
             </a:pPr>
             <a:r>
-              <a:rPr lang="en-US" sz="2600">
+              <a:rPr lang="en-US" sz="2600" dirty="0">
                 <a:solidFill>
                   <a:schemeClr val="tx1"/>
                 </a:solidFill>
               </a:rPr>
-              <a:t>Team -10</a:t>
+              <a:t>Team -10,Project-3</a:t>
             </a:r>
           </a:p>
           <a:p>
@@ -3593,7 +3732,7 @@
               </a:spcAft>
             </a:pPr>
             <a:r>
-              <a:rPr lang="en-CA" sz="2600" err="1">
+              <a:rPr lang="en-CA" sz="2600" dirty="0" err="1">
                 <a:solidFill>
                   <a:schemeClr val="tx1"/>
                 </a:solidFill>
@@ -3601,15 +3740,31 @@
               <a:t>Sambulo</a:t>
             </a:r>
             <a:r>
-              <a:rPr lang="en-CA" sz="2600">
+              <a:rPr lang="en-CA" sz="2600" dirty="0">
                 <a:solidFill>
                   <a:schemeClr val="tx1"/>
                 </a:solidFill>
               </a:rPr>
-              <a:t> Malumisa, Sunday </a:t>
-            </a:r>
-            <a:r>
-              <a:rPr lang="en-CA" sz="2600" err="1">
+              <a:t> </a:t>
+            </a:r>
+            <a:r>
+              <a:rPr lang="en-CA" sz="2600" dirty="0" err="1">
+                <a:solidFill>
+                  <a:schemeClr val="tx1"/>
+                </a:solidFill>
+              </a:rPr>
+              <a:t>Malumisa</a:t>
+            </a:r>
+            <a:r>
+              <a:rPr lang="en-CA" sz="2600" dirty="0">
+                <a:solidFill>
+                  <a:schemeClr val="tx1"/>
+                </a:solidFill>
+              </a:rPr>
+              <a:t>, Sunday </a:t>
+            </a:r>
+            <a:r>
+              <a:rPr lang="en-CA" sz="2600" dirty="0" err="1">
                 <a:solidFill>
                   <a:schemeClr val="tx1"/>
                 </a:solidFill>
@@ -3617,7 +3772,7 @@
               <a:t>Akiyesi</a:t>
             </a:r>
             <a:r>
-              <a:rPr lang="en-CA" sz="2600">
+              <a:rPr lang="en-CA" sz="2600" dirty="0">
                 <a:solidFill>
                   <a:schemeClr val="tx1"/>
                 </a:solidFill>
@@ -3625,7 +3780,7 @@
               <a:t>, </a:t>
             </a:r>
             <a:r>
-              <a:rPr lang="en-CA" sz="2600" err="1">
+              <a:rPr lang="en-CA" sz="2600" dirty="0" err="1">
                 <a:solidFill>
                   <a:schemeClr val="tx1"/>
                 </a:solidFill>
@@ -3633,7 +3788,7 @@
               <a:t>Yalda</a:t>
             </a:r>
             <a:r>
-              <a:rPr lang="en-CA" sz="2600">
+              <a:rPr lang="en-CA" sz="2600" dirty="0">
                 <a:solidFill>
                   <a:schemeClr val="tx1"/>
                 </a:solidFill>
@@ -3994,8 +4149,8 @@
         </p:blipFill>
         <p:spPr bwMode="auto">
           <a:xfrm>
-            <a:off x="10980" y="233463"/>
-            <a:ext cx="12188932" cy="6858000"/>
+            <a:off x="10980" y="-938139"/>
+            <a:ext cx="12188932" cy="7997474"/>
           </a:xfrm>
           <a:prstGeom prst="rect">
             <a:avLst/>
@@ -4085,7 +4240,7 @@
         </p:nvSpPr>
         <p:spPr>
           <a:xfrm>
-            <a:off x="478580" y="3602735"/>
+            <a:off x="478580" y="2834640"/>
             <a:ext cx="3685070" cy="3255264"/>
           </a:xfrm>
         </p:spPr>
@@ -4096,65 +4251,65 @@
           <a:lstStyle/>
           <a:p>
             <a:r>
-              <a:rPr lang="en-US" sz="2400" spc="-100"/>
-              <a:t>What are we observing with Canada Climate check ?</a:t>
+              <a:rPr lang="en-US" sz="2400" spc="-100" dirty="0"/>
+              <a:t>What are we observing with Canada Weather check ?</a:t>
             </a:r>
             <a:br>
-              <a:rPr lang="en-US" sz="2400" spc="-100"/>
+              <a:rPr lang="en-US" sz="2400" spc="-100" dirty="0"/>
             </a:br>
             <a:br>
-              <a:rPr lang="en-US" sz="2400" spc="-100"/>
+              <a:rPr lang="en-US" sz="2400" spc="-100" dirty="0"/>
             </a:br>
             <a:r>
-              <a:rPr lang="en-US" sz="2400" spc="-100"/>
-              <a:t>1. Different cities with different temperature.</a:t>
+              <a:rPr lang="en-US" sz="2400" spc="-100" dirty="0"/>
+              <a:t>1. Different cities of Canada with their temperature, pressure, humidity, rainfall Pressure, wind etc. </a:t>
             </a:r>
             <a:br>
-              <a:rPr lang="en-US" sz="2400" spc="-100"/>
+              <a:rPr lang="en-US" sz="2400" spc="-100" dirty="0"/>
             </a:br>
             <a:br>
-              <a:rPr lang="en-US" sz="2400" spc="-100"/>
+              <a:rPr lang="en-US" sz="2400" spc="-100" dirty="0"/>
             </a:br>
             <a:r>
-              <a:rPr lang="en-US" sz="2400" spc="-100"/>
-              <a:t>2. How the latitude is affecting Pressure in different cities.</a:t>
+              <a:rPr lang="en-US" sz="2400" spc="-100" dirty="0"/>
+              <a:t>2. </a:t>
             </a:r>
             <a:br>
-              <a:rPr lang="en-US" sz="2400" spc="-100"/>
+              <a:rPr lang="en-US" sz="2400" spc="-100" dirty="0"/>
             </a:br>
             <a:br>
-              <a:rPr lang="en-US" sz="2400" spc="-100"/>
+              <a:rPr lang="en-US" sz="2400" spc="-100" dirty="0"/>
             </a:br>
             <a:r>
-              <a:rPr lang="en-US" sz="2400" spc="-100"/>
-              <a:t>3. Temperature Forecast of different cities.</a:t>
+              <a:rPr lang="en-US" sz="2400" spc="-100" dirty="0"/>
+              <a:t>3</a:t>
             </a:r>
             <a:br>
-              <a:rPr lang="en-US" sz="2400" spc="-100"/>
+              <a:rPr lang="en-US" sz="2400" spc="-100" dirty="0"/>
             </a:br>
             <a:br>
-              <a:rPr lang="en-US" sz="2400" spc="-100"/>
+              <a:rPr lang="en-US" sz="2400" spc="-100" dirty="0"/>
             </a:br>
             <a:r>
-              <a:rPr lang="en-US" sz="2400" spc="-100"/>
-              <a:t>4. Maps showing the cities featuring different factors like temperature, Humidity ,pressure etc.</a:t>
+              <a:rPr lang="en-US" sz="2400" spc="-100" dirty="0"/>
+              <a:t>4. </a:t>
             </a:r>
             <a:br>
-              <a:rPr lang="en-US" sz="2400" spc="-100"/>
+              <a:rPr lang="en-US" sz="2400" spc="-100" dirty="0"/>
             </a:br>
             <a:br>
-              <a:rPr lang="en-US" sz="1400" spc="-100"/>
+              <a:rPr lang="en-US" sz="1400" spc="-100" dirty="0"/>
             </a:br>
             <a:br>
-              <a:rPr lang="en-US" sz="1400" spc="-100"/>
+              <a:rPr lang="en-US" sz="1400" spc="-100" dirty="0"/>
             </a:br>
             <a:br>
-              <a:rPr lang="en-US" sz="1400" spc="-100"/>
+              <a:rPr lang="en-US" sz="1400" spc="-100" dirty="0"/>
             </a:br>
             <a:br>
-              <a:rPr lang="en-US" sz="1400" spc="-100"/>
+              <a:rPr lang="en-US" sz="1400" spc="-100" dirty="0"/>
             </a:br>
-            <a:endParaRPr lang="en-US" sz="1400" spc="-100"/>
+            <a:endParaRPr lang="en-US" sz="1400" spc="-100" dirty="0"/>
           </a:p>
         </p:txBody>
       </p:sp>
@@ -5075,18 +5230,8 @@
           </a:bodyPr>
           <a:lstStyle/>
           <a:p>
-            <a:r>
-              <a:rPr lang="en-CA" b="1" i="0">
-                <a:solidFill>
-                  <a:srgbClr val="333333"/>
-                </a:solidFill>
-                <a:effectLst/>
-                <a:latin typeface="Palatino Linotype" panose="02040502050505030304" pitchFamily="18" charset="0"/>
-              </a:rPr>
-              <a:t>Understanding current weather conditions</a:t>
-            </a:r>
             <a:br>
-              <a:rPr lang="en-CA" b="1" i="0">
+              <a:rPr lang="en-CA" b="1" i="0" dirty="0">
                 <a:solidFill>
                   <a:srgbClr val="333333"/>
                 </a:solidFill>
@@ -5094,16 +5239,462 @@
                 <a:latin typeface="Lato" panose="020F0502020204030203" pitchFamily="34" charset="0"/>
               </a:rPr>
             </a:br>
-            <a:endParaRPr lang="en-CA"/>
+            <a:endParaRPr lang="en-CA" dirty="0"/>
+          </a:p>
+        </p:txBody>
+      </p:sp>
+      <p:sp>
+        <p:nvSpPr>
+          <p:cNvPr id="4" name="TextBox 3">
+            <a:extLst>
+              <a:ext uri="{FF2B5EF4-FFF2-40B4-BE49-F238E27FC236}">
+                <a16:creationId xmlns:a16="http://schemas.microsoft.com/office/drawing/2014/main" id="{BA1C736E-05CF-6BBD-0B78-95AA57AA8262}"/>
+              </a:ext>
+            </a:extLst>
+          </p:cNvPr>
+          <p:cNvSpPr txBox="1"/>
+          <p:nvPr/>
+        </p:nvSpPr>
+        <p:spPr>
+          <a:xfrm>
+            <a:off x="244509" y="3429000"/>
+            <a:ext cx="2573720" cy="2800767"/>
+          </a:xfrm>
+          <a:prstGeom prst="rect">
+            <a:avLst/>
+          </a:prstGeom>
+          <a:noFill/>
+        </p:spPr>
+        <p:txBody>
+          <a:bodyPr wrap="square" rtlCol="0">
+            <a:spAutoFit/>
+          </a:bodyPr>
+          <a:lstStyle/>
+          <a:p>
+            <a:pPr marL="285750" indent="-285750">
+              <a:buFont typeface="Arial" panose="020B0604020202020204" pitchFamily="34" charset="0"/>
+              <a:buChar char="•"/>
+            </a:pPr>
+            <a:r>
+              <a:rPr lang="en-US" sz="1400" b="1" dirty="0">
+                <a:effectLst/>
+                <a:latin typeface="Lato" panose="020F0502020204030203" pitchFamily="34" charset="0"/>
+              </a:rPr>
+              <a:t>Temperature</a:t>
+            </a:r>
+            <a:endParaRPr lang="en-US" sz="1400" dirty="0">
+              <a:effectLst/>
+            </a:endParaRPr>
+          </a:p>
+          <a:p>
+            <a:pPr marL="285750" indent="-285750">
+              <a:buFont typeface="Arial" panose="020B0604020202020204" pitchFamily="34" charset="0"/>
+              <a:buChar char="•"/>
+            </a:pPr>
+            <a:r>
+              <a:rPr lang="en-US" sz="1400" b="1" dirty="0">
+                <a:effectLst/>
+                <a:latin typeface="Lato" panose="020F0502020204030203" pitchFamily="34" charset="0"/>
+              </a:rPr>
+              <a:t>Dewpoint</a:t>
+            </a:r>
+          </a:p>
+          <a:p>
+            <a:pPr marL="285750" indent="-285750">
+              <a:buFont typeface="Arial" panose="020B0604020202020204" pitchFamily="34" charset="0"/>
+              <a:buChar char="•"/>
+            </a:pPr>
+            <a:r>
+              <a:rPr lang="en-US" sz="1400" b="1" dirty="0">
+                <a:effectLst/>
+                <a:latin typeface="Lato" panose="020F0502020204030203" pitchFamily="34" charset="0"/>
+              </a:rPr>
+              <a:t>Humidity</a:t>
+            </a:r>
+          </a:p>
+          <a:p>
+            <a:pPr marL="285750" indent="-285750">
+              <a:buFont typeface="Arial" panose="020B0604020202020204" pitchFamily="34" charset="0"/>
+              <a:buChar char="•"/>
+            </a:pPr>
+            <a:r>
+              <a:rPr lang="en-US" sz="1400" b="1" dirty="0">
+                <a:effectLst/>
+                <a:latin typeface="Lato" panose="020F0502020204030203" pitchFamily="34" charset="0"/>
+              </a:rPr>
+              <a:t>Air Pressure</a:t>
+            </a:r>
+          </a:p>
+          <a:p>
+            <a:pPr marL="285750" indent="-285750">
+              <a:buFont typeface="Arial" panose="020B0604020202020204" pitchFamily="34" charset="0"/>
+              <a:buChar char="•"/>
+            </a:pPr>
+            <a:r>
+              <a:rPr lang="en-US" sz="1400" b="1" dirty="0">
+                <a:effectLst/>
+                <a:latin typeface="Lato" panose="020F0502020204030203" pitchFamily="34" charset="0"/>
+              </a:rPr>
+              <a:t>Pressure Tendency</a:t>
+            </a:r>
+          </a:p>
+          <a:p>
+            <a:pPr marL="285750" indent="-285750">
+              <a:buFont typeface="Arial" panose="020B0604020202020204" pitchFamily="34" charset="0"/>
+              <a:buChar char="•"/>
+            </a:pPr>
+            <a:r>
+              <a:rPr lang="en-US" sz="1400" b="1" dirty="0">
+                <a:effectLst/>
+                <a:latin typeface="Lato" panose="020F0502020204030203" pitchFamily="34" charset="0"/>
+              </a:rPr>
+              <a:t>Visibility</a:t>
+            </a:r>
+          </a:p>
+          <a:p>
+            <a:pPr marL="285750" indent="-285750">
+              <a:buFont typeface="Arial" panose="020B0604020202020204" pitchFamily="34" charset="0"/>
+              <a:buChar char="•"/>
+            </a:pPr>
+            <a:r>
+              <a:rPr lang="en-US" sz="1400" b="1" dirty="0">
+                <a:effectLst/>
+                <a:latin typeface="Lato" panose="020F0502020204030203" pitchFamily="34" charset="0"/>
+              </a:rPr>
+              <a:t>Wind </a:t>
+            </a:r>
+          </a:p>
+          <a:p>
+            <a:pPr marL="285750" indent="-285750">
+              <a:buFont typeface="Arial" panose="020B0604020202020204" pitchFamily="34" charset="0"/>
+              <a:buChar char="•"/>
+            </a:pPr>
+            <a:r>
+              <a:rPr lang="en-US" sz="1400" b="1" dirty="0">
+                <a:effectLst/>
+                <a:latin typeface="Lato" panose="020F0502020204030203" pitchFamily="34" charset="0"/>
+              </a:rPr>
+              <a:t>Air Quality </a:t>
+            </a:r>
+            <a:endParaRPr lang="en-US" sz="1400" b="1" dirty="0">
+              <a:latin typeface="Lato" panose="020F0502020204030203" pitchFamily="34" charset="0"/>
+            </a:endParaRPr>
+          </a:p>
+          <a:p>
+            <a:pPr marL="285750" indent="-285750">
+              <a:buFont typeface="Arial" panose="020B0604020202020204" pitchFamily="34" charset="0"/>
+              <a:buChar char="•"/>
+            </a:pPr>
+            <a:r>
+              <a:rPr lang="en-US" sz="1400" b="1" dirty="0">
+                <a:effectLst/>
+                <a:latin typeface="Lato" panose="020F0502020204030203" pitchFamily="34" charset="0"/>
+              </a:rPr>
+              <a:t>Wind Chill</a:t>
+            </a:r>
+          </a:p>
+          <a:p>
+            <a:pPr marL="285750" indent="-285750">
+              <a:buFont typeface="Arial" panose="020B0604020202020204" pitchFamily="34" charset="0"/>
+              <a:buChar char="•"/>
+            </a:pPr>
+            <a:r>
+              <a:rPr lang="en-US" sz="1400" b="1" dirty="0">
+                <a:effectLst/>
+                <a:latin typeface="Lato" panose="020F0502020204030203" pitchFamily="34" charset="0"/>
+              </a:rPr>
+              <a:t>Humidex</a:t>
+            </a:r>
+          </a:p>
+          <a:p>
+            <a:br>
+              <a:rPr lang="en-US" dirty="0">
+                <a:effectLst/>
+              </a:rPr>
+            </a:br>
+            <a:endParaRPr lang="en-CA" dirty="0"/>
+          </a:p>
+        </p:txBody>
+      </p:sp>
+      <p:sp>
+        <p:nvSpPr>
+          <p:cNvPr id="5" name="TextBox 4">
+            <a:extLst>
+              <a:ext uri="{FF2B5EF4-FFF2-40B4-BE49-F238E27FC236}">
+                <a16:creationId xmlns:a16="http://schemas.microsoft.com/office/drawing/2014/main" id="{E72D853B-DDFE-0854-AE92-1E2EAD99D5FF}"/>
+              </a:ext>
+            </a:extLst>
+          </p:cNvPr>
+          <p:cNvSpPr txBox="1"/>
+          <p:nvPr/>
+        </p:nvSpPr>
+        <p:spPr>
+          <a:xfrm>
+            <a:off x="3956270" y="426919"/>
+            <a:ext cx="7779927" cy="5909310"/>
+          </a:xfrm>
+          <a:prstGeom prst="rect">
+            <a:avLst/>
+          </a:prstGeom>
+          <a:noFill/>
+        </p:spPr>
+        <p:txBody>
+          <a:bodyPr wrap="square" rtlCol="0">
+            <a:spAutoFit/>
+          </a:bodyPr>
+          <a:lstStyle/>
+          <a:p>
+            <a:r>
+              <a:rPr lang="en-US" b="1" i="0" dirty="0">
+                <a:solidFill>
+                  <a:schemeClr val="accent1">
+                    <a:lumMod val="50000"/>
+                  </a:schemeClr>
+                </a:solidFill>
+                <a:effectLst/>
+                <a:latin typeface="roboto" panose="02000000000000000000" pitchFamily="2" charset="0"/>
+              </a:rPr>
+              <a:t>What Is A Weather Data API?</a:t>
+            </a:r>
+          </a:p>
+          <a:p>
+            <a:r>
+              <a:rPr lang="en-US" b="0" i="0" dirty="0">
+                <a:solidFill>
+                  <a:schemeClr val="accent1">
+                    <a:lumMod val="75000"/>
+                  </a:schemeClr>
+                </a:solidFill>
+                <a:effectLst/>
+                <a:latin typeface="roboto" panose="02000000000000000000" pitchFamily="2" charset="0"/>
+              </a:rPr>
+              <a:t>A weather data API is an Application Programming Interface that allows you to integrate real-time weather data and weather forecast data into your apps and websites. </a:t>
+            </a:r>
+          </a:p>
+          <a:p>
+            <a:endParaRPr lang="en-US" dirty="0">
+              <a:solidFill>
+                <a:srgbClr val="333333"/>
+              </a:solidFill>
+              <a:latin typeface="roboto" panose="02000000000000000000" pitchFamily="2" charset="0"/>
+            </a:endParaRPr>
+          </a:p>
+          <a:p>
+            <a:r>
+              <a:rPr lang="en-US" b="1" i="0" dirty="0">
+                <a:solidFill>
+                  <a:schemeClr val="accent1">
+                    <a:lumMod val="50000"/>
+                  </a:schemeClr>
+                </a:solidFill>
+                <a:effectLst/>
+                <a:latin typeface="roboto" panose="02000000000000000000" pitchFamily="2" charset="0"/>
+              </a:rPr>
+              <a:t>Where Do The Best Weather APIs Get Data From?</a:t>
+            </a:r>
+          </a:p>
+          <a:p>
+            <a:r>
+              <a:rPr lang="en-US" b="0" i="0" dirty="0">
+                <a:solidFill>
+                  <a:schemeClr val="accent1">
+                    <a:lumMod val="75000"/>
+                  </a:schemeClr>
+                </a:solidFill>
+                <a:effectLst/>
+                <a:latin typeface="roboto" panose="02000000000000000000" pitchFamily="2" charset="0"/>
+              </a:rPr>
+              <a:t>The best weather APIs are powered by highly reliable weather data sources, such as </a:t>
+            </a:r>
+            <a:r>
+              <a:rPr lang="en-US" b="1" i="1" dirty="0">
+                <a:solidFill>
+                  <a:schemeClr val="accent1">
+                    <a:lumMod val="75000"/>
+                  </a:schemeClr>
+                </a:solidFill>
+                <a:effectLst/>
+                <a:latin typeface="roboto" panose="02000000000000000000" pitchFamily="2" charset="0"/>
+              </a:rPr>
+              <a:t>large weather stations </a:t>
+            </a:r>
+            <a:r>
+              <a:rPr lang="en-US" b="0" i="0" dirty="0">
+                <a:solidFill>
+                  <a:schemeClr val="accent1">
+                    <a:lumMod val="75000"/>
+                  </a:schemeClr>
+                </a:solidFill>
+                <a:effectLst/>
+                <a:latin typeface="roboto" panose="02000000000000000000" pitchFamily="2" charset="0"/>
+              </a:rPr>
+              <a:t>that cover millions of locations worldwide. This allows these APIs to provide consistent and accurate weather data of almost any location around the world.</a:t>
+            </a:r>
+          </a:p>
+          <a:p>
+            <a:r>
+              <a:rPr lang="en-US" b="0" i="0" dirty="0">
+                <a:solidFill>
+                  <a:schemeClr val="accent1">
+                    <a:lumMod val="75000"/>
+                  </a:schemeClr>
+                </a:solidFill>
+                <a:effectLst/>
+                <a:latin typeface="roboto" panose="02000000000000000000" pitchFamily="2" charset="0"/>
+              </a:rPr>
+              <a:t>A </a:t>
+            </a:r>
+            <a:r>
+              <a:rPr lang="en-US" b="1" i="0" dirty="0">
+                <a:solidFill>
+                  <a:schemeClr val="accent1">
+                    <a:lumMod val="75000"/>
+                  </a:schemeClr>
+                </a:solidFill>
+                <a:effectLst/>
+                <a:latin typeface="roboto" panose="02000000000000000000" pitchFamily="2" charset="0"/>
+              </a:rPr>
+              <a:t>weather station </a:t>
+            </a:r>
+            <a:r>
+              <a:rPr lang="en-US" b="0" i="0" dirty="0">
+                <a:solidFill>
+                  <a:schemeClr val="accent1">
+                    <a:lumMod val="75000"/>
+                  </a:schemeClr>
+                </a:solidFill>
+                <a:effectLst/>
+                <a:latin typeface="roboto" panose="02000000000000000000" pitchFamily="2" charset="0"/>
+              </a:rPr>
+              <a:t>is a station or facility that consists of different instruments for collecting weather observations and data.</a:t>
+            </a:r>
+          </a:p>
+          <a:p>
+            <a:endParaRPr lang="en-US" dirty="0">
+              <a:solidFill>
+                <a:schemeClr val="accent1">
+                  <a:lumMod val="50000"/>
+                </a:schemeClr>
+              </a:solidFill>
+              <a:latin typeface="roboto" panose="02000000000000000000" pitchFamily="2" charset="0"/>
+            </a:endParaRPr>
+          </a:p>
+          <a:p>
+            <a:pPr algn="l"/>
+            <a:r>
+              <a:rPr lang="en-US" b="1" i="0" dirty="0">
+                <a:solidFill>
+                  <a:schemeClr val="accent1">
+                    <a:lumMod val="50000"/>
+                  </a:schemeClr>
+                </a:solidFill>
+                <a:effectLst/>
+                <a:latin typeface="roboto" panose="02000000000000000000" pitchFamily="2" charset="0"/>
+              </a:rPr>
+              <a:t>Do The Best Weather APIs Provide Highly Accurate And Reliable Data?</a:t>
+            </a:r>
+          </a:p>
+          <a:p>
+            <a:pPr algn="l"/>
+            <a:r>
+              <a:rPr lang="en-US" b="0" i="0" dirty="0">
+                <a:solidFill>
+                  <a:schemeClr val="accent1">
+                    <a:lumMod val="75000"/>
+                  </a:schemeClr>
+                </a:solidFill>
+                <a:effectLst/>
+                <a:latin typeface="roboto" panose="02000000000000000000" pitchFamily="2" charset="0"/>
+              </a:rPr>
+              <a:t>The best weather APIs like weather stack source data from some of the largest weather stations and weather data providers around the world</a:t>
+            </a:r>
+            <a:r>
+              <a:rPr lang="en-US" b="0" i="0">
+                <a:solidFill>
+                  <a:schemeClr val="accent1">
+                    <a:lumMod val="75000"/>
+                  </a:schemeClr>
+                </a:solidFill>
+                <a:effectLst/>
+                <a:latin typeface="roboto" panose="02000000000000000000" pitchFamily="2" charset="0"/>
+              </a:rPr>
+              <a:t>. All </a:t>
+            </a:r>
+            <a:r>
+              <a:rPr lang="en-US" b="0" i="0" dirty="0">
+                <a:solidFill>
+                  <a:schemeClr val="accent1">
+                    <a:lumMod val="75000"/>
+                  </a:schemeClr>
+                </a:solidFill>
+                <a:effectLst/>
+                <a:latin typeface="roboto" panose="02000000000000000000" pitchFamily="2" charset="0"/>
+              </a:rPr>
+              <a:t>these data sources are closely monitored for consistency and data accuracy around the clock. This allows the weather stack API to provide accurate and consistent global weather data of millions of cities and towns across the globe. </a:t>
+            </a:r>
+            <a:endParaRPr lang="en-US" b="1" i="0" dirty="0">
+              <a:solidFill>
+                <a:schemeClr val="accent1">
+                  <a:lumMod val="75000"/>
+                </a:schemeClr>
+              </a:solidFill>
+              <a:effectLst/>
+              <a:latin typeface="roboto" panose="02000000000000000000" pitchFamily="2" charset="0"/>
+            </a:endParaRPr>
+          </a:p>
+          <a:p>
+            <a:endParaRPr lang="en-CA" dirty="0"/>
+          </a:p>
+        </p:txBody>
+      </p:sp>
+      <p:sp>
+        <p:nvSpPr>
+          <p:cNvPr id="6" name="TextBox 5">
+            <a:extLst>
+              <a:ext uri="{FF2B5EF4-FFF2-40B4-BE49-F238E27FC236}">
+                <a16:creationId xmlns:a16="http://schemas.microsoft.com/office/drawing/2014/main" id="{04F1EB31-D443-27CD-54A0-158BE403F0F0}"/>
+              </a:ext>
+            </a:extLst>
+          </p:cNvPr>
+          <p:cNvSpPr txBox="1"/>
+          <p:nvPr/>
+        </p:nvSpPr>
+        <p:spPr>
+          <a:xfrm>
+            <a:off x="-123037" y="2967335"/>
+            <a:ext cx="3679970" cy="461665"/>
+          </a:xfrm>
+          <a:prstGeom prst="rect">
+            <a:avLst/>
+          </a:prstGeom>
+          <a:noFill/>
+        </p:spPr>
+        <p:txBody>
+          <a:bodyPr wrap="square" rtlCol="0">
+            <a:spAutoFit/>
+          </a:bodyPr>
+          <a:lstStyle/>
+          <a:p>
+            <a:pPr algn="ctr"/>
+            <a:r>
+              <a:rPr lang="en-US" sz="2400" b="1" i="0" dirty="0">
+                <a:solidFill>
+                  <a:srgbClr val="000000"/>
+                </a:solidFill>
+                <a:effectLst/>
+                <a:latin typeface="roboto" panose="02000000000000000000" pitchFamily="2" charset="0"/>
+              </a:rPr>
+              <a:t>Weather Parameters</a:t>
+            </a:r>
           </a:p>
         </p:txBody>
       </p:sp>
       <p:pic>
         <p:nvPicPr>
-          <p:cNvPr id="2050" name="Picture 2" descr="This is a screen shot of a typical current conditions display on Environment Canada's weather.gc.ca website. A full explanation of all weather observations that are reported is explained in the text below.">
+          <p:cNvPr id="1026" name="Picture 2" descr="A Weather station - the data source of the best weather APIs">
             <a:extLst>
               <a:ext uri="{FF2B5EF4-FFF2-40B4-BE49-F238E27FC236}">
-                <a16:creationId xmlns:a16="http://schemas.microsoft.com/office/drawing/2014/main" id="{CA466ADF-F59B-F761-ADC4-A457FAA41DFA}"/>
+                <a16:creationId xmlns:a16="http://schemas.microsoft.com/office/drawing/2014/main" id="{1F51913D-4470-99D2-DB8A-BC0D03E5FF64}"/>
               </a:ext>
             </a:extLst>
           </p:cNvPr>
@@ -5127,8 +5718,8 @@
         </p:blipFill>
         <p:spPr bwMode="auto">
           <a:xfrm>
-            <a:off x="173353" y="960538"/>
-            <a:ext cx="3121782" cy="1156048"/>
+            <a:off x="94412" y="383271"/>
+            <a:ext cx="2723817" cy="1156628"/>
           </a:xfrm>
           <a:prstGeom prst="rect">
             <a:avLst/>
@@ -5145,179 +5736,53 @@
           </a:extLst>
         </p:spPr>
       </p:pic>
-      <p:sp>
-        <p:nvSpPr>
-          <p:cNvPr id="4" name="TextBox 3">
+      <p:pic>
+        <p:nvPicPr>
+          <p:cNvPr id="1028" name="Picture 4" descr="weatherstack - the best weather APIs">
             <a:extLst>
               <a:ext uri="{FF2B5EF4-FFF2-40B4-BE49-F238E27FC236}">
-                <a16:creationId xmlns:a16="http://schemas.microsoft.com/office/drawing/2014/main" id="{BA1C736E-05CF-6BBD-0B78-95AA57AA8262}"/>
+                <a16:creationId xmlns:a16="http://schemas.microsoft.com/office/drawing/2014/main" id="{5530DB6E-924F-FC2C-F76A-2D27D5CBF28E}"/>
               </a:ext>
             </a:extLst>
           </p:cNvPr>
-          <p:cNvSpPr txBox="1"/>
+          <p:cNvPicPr>
+            <a:picLocks noChangeAspect="1" noChangeArrowheads="1"/>
+          </p:cNvPicPr>
           <p:nvPr/>
-        </p:nvSpPr>
-        <p:spPr>
-          <a:xfrm>
-            <a:off x="521344" y="2573738"/>
-            <a:ext cx="2573720" cy="3416320"/>
+        </p:nvPicPr>
+        <p:blipFill>
+          <a:blip r:embed="rId3">
+            <a:extLst>
+              <a:ext uri="{28A0092B-C50C-407E-A947-70E740481C1C}">
+                <a14:useLocalDpi xmlns:a14="http://schemas.microsoft.com/office/drawing/2010/main" val="0"/>
+              </a:ext>
+            </a:extLst>
+          </a:blip>
+          <a:srcRect/>
+          <a:stretch>
+            <a:fillRect/>
+          </a:stretch>
+        </p:blipFill>
+        <p:spPr bwMode="auto">
+          <a:xfrm>
+            <a:off x="833116" y="1601454"/>
+            <a:ext cx="2723817" cy="1205743"/>
           </a:xfrm>
           <a:prstGeom prst="rect">
             <a:avLst/>
           </a:prstGeom>
           <a:noFill/>
-        </p:spPr>
-        <p:txBody>
-          <a:bodyPr wrap="square" rtlCol="0">
-            <a:spAutoFit/>
-          </a:bodyPr>
-          <a:lstStyle/>
-          <a:p>
-            <a:pPr marL="285750" indent="-285750">
-              <a:buFont typeface="Arial" panose="020B0604020202020204" pitchFamily="34" charset="0"/>
-              <a:buChar char="•"/>
-            </a:pPr>
-            <a:r>
-              <a:rPr lang="en-US" b="1">
-                <a:effectLst/>
-                <a:latin typeface="Lato" panose="020F0502020204030203" pitchFamily="34" charset="0"/>
-              </a:rPr>
-              <a:t>Temperature</a:t>
-            </a:r>
-            <a:endParaRPr lang="en-US">
-              <a:effectLst/>
-            </a:endParaRPr>
-          </a:p>
-          <a:p>
-            <a:pPr marL="285750" indent="-285750">
-              <a:buFont typeface="Arial" panose="020B0604020202020204" pitchFamily="34" charset="0"/>
-              <a:buChar char="•"/>
-            </a:pPr>
-            <a:r>
-              <a:rPr lang="en-US" b="1">
-                <a:effectLst/>
-                <a:latin typeface="Lato" panose="020F0502020204030203" pitchFamily="34" charset="0"/>
-              </a:rPr>
-              <a:t>Dewpoint</a:t>
-            </a:r>
-          </a:p>
-          <a:p>
-            <a:pPr marL="285750" indent="-285750">
-              <a:buFont typeface="Arial" panose="020B0604020202020204" pitchFamily="34" charset="0"/>
-              <a:buChar char="•"/>
-            </a:pPr>
-            <a:r>
-              <a:rPr lang="en-US" b="1">
-                <a:effectLst/>
-                <a:latin typeface="Lato" panose="020F0502020204030203" pitchFamily="34" charset="0"/>
-              </a:rPr>
-              <a:t>Humidity</a:t>
-            </a:r>
-          </a:p>
-          <a:p>
-            <a:pPr marL="285750" indent="-285750">
-              <a:buFont typeface="Arial" panose="020B0604020202020204" pitchFamily="34" charset="0"/>
-              <a:buChar char="•"/>
-            </a:pPr>
-            <a:r>
-              <a:rPr lang="en-US" b="1">
-                <a:effectLst/>
-                <a:latin typeface="Lato" panose="020F0502020204030203" pitchFamily="34" charset="0"/>
-              </a:rPr>
-              <a:t>Air Pressure</a:t>
-            </a:r>
-          </a:p>
-          <a:p>
-            <a:pPr marL="285750" indent="-285750">
-              <a:buFont typeface="Arial" panose="020B0604020202020204" pitchFamily="34" charset="0"/>
-              <a:buChar char="•"/>
-            </a:pPr>
-            <a:r>
-              <a:rPr lang="en-US" b="1">
-                <a:effectLst/>
-                <a:latin typeface="Lato" panose="020F0502020204030203" pitchFamily="34" charset="0"/>
-              </a:rPr>
-              <a:t>Pressure Tendency</a:t>
-            </a:r>
-          </a:p>
-          <a:p>
-            <a:pPr marL="285750" indent="-285750">
-              <a:buFont typeface="Arial" panose="020B0604020202020204" pitchFamily="34" charset="0"/>
-              <a:buChar char="•"/>
-            </a:pPr>
-            <a:r>
-              <a:rPr lang="en-US" b="1">
-                <a:effectLst/>
-                <a:latin typeface="Lato" panose="020F0502020204030203" pitchFamily="34" charset="0"/>
-              </a:rPr>
-              <a:t>Visibility</a:t>
-            </a:r>
-          </a:p>
-          <a:p>
-            <a:pPr marL="285750" indent="-285750">
-              <a:buFont typeface="Arial" panose="020B0604020202020204" pitchFamily="34" charset="0"/>
-              <a:buChar char="•"/>
-            </a:pPr>
-            <a:r>
-              <a:rPr lang="en-US" b="1">
-                <a:effectLst/>
-                <a:latin typeface="Lato" panose="020F0502020204030203" pitchFamily="34" charset="0"/>
-              </a:rPr>
-              <a:t>Wind </a:t>
-            </a:r>
-          </a:p>
-          <a:p>
-            <a:pPr marL="285750" indent="-285750">
-              <a:buFont typeface="Arial" panose="020B0604020202020204" pitchFamily="34" charset="0"/>
-              <a:buChar char="•"/>
-            </a:pPr>
-            <a:r>
-              <a:rPr lang="en-US" b="1">
-                <a:effectLst/>
-                <a:latin typeface="Lato" panose="020F0502020204030203" pitchFamily="34" charset="0"/>
-              </a:rPr>
-              <a:t>Air Quality </a:t>
-            </a:r>
-            <a:endParaRPr lang="en-US" b="1">
-              <a:latin typeface="Lato" panose="020F0502020204030203" pitchFamily="34" charset="0"/>
-            </a:endParaRPr>
-          </a:p>
-          <a:p>
-            <a:pPr marL="285750" indent="-285750">
-              <a:buFont typeface="Arial" panose="020B0604020202020204" pitchFamily="34" charset="0"/>
-              <a:buChar char="•"/>
-            </a:pPr>
-            <a:r>
-              <a:rPr lang="en-US" b="1">
-                <a:effectLst/>
-                <a:latin typeface="Lato" panose="020F0502020204030203" pitchFamily="34" charset="0"/>
-              </a:rPr>
-              <a:t>Wind Chill</a:t>
-            </a:r>
-          </a:p>
-          <a:p>
-            <a:pPr marL="285750" indent="-285750">
-              <a:buFont typeface="Arial" panose="020B0604020202020204" pitchFamily="34" charset="0"/>
-              <a:buChar char="•"/>
-            </a:pPr>
-            <a:r>
-              <a:rPr lang="en-US" b="1">
-                <a:effectLst/>
-                <a:latin typeface="Lato" panose="020F0502020204030203" pitchFamily="34" charset="0"/>
-              </a:rPr>
-              <a:t>Humidex</a:t>
-            </a:r>
-          </a:p>
-          <a:p>
-            <a:br>
-              <a:rPr lang="en-US">
-                <a:effectLst/>
-              </a:rPr>
-            </a:br>
-            <a:endParaRPr lang="en-CA"/>
-          </a:p>
-        </p:txBody>
-      </p:sp>
+          <a:extLst>
+            <a:ext uri="{909E8E84-426E-40DD-AFC4-6F175D3DCCD1}">
+              <a14:hiddenFill xmlns:a14="http://schemas.microsoft.com/office/drawing/2010/main">
+                <a:solidFill>
+                  <a:srgbClr val="FFFFFF"/>
+                </a:solidFill>
+              </a14:hiddenFill>
+            </a:ext>
+          </a:extLst>
+        </p:spPr>
+      </p:pic>
     </p:spTree>
     <p:extLst>
       <p:ext uri="{BB962C8B-B14F-4D97-AF65-F5344CB8AC3E}">

--- a/Presentation project-3.pptx
+++ b/Presentation project-3.pptx
@@ -122,15 +122,37 @@
 <file path=ppt/revisionInfo.xml><?xml version="1.0" encoding="utf-8"?>
 <p1510:revInfo xmlns:a="http://schemas.openxmlformats.org/drawingml/2006/main" xmlns:r="http://schemas.openxmlformats.org/officeDocument/2006/relationships" xmlns:p1510="http://schemas.microsoft.com/office/powerpoint/2015/10/main">
   <p1510:revLst>
-    <p1510:client id="{7E99CA33-F6CF-41E7-B911-21C8FD32003F}" v="23" dt="2023-02-23T22:21:41.677"/>
-    <p1510:client id="{C17B05F5-0F99-4914-8149-396ED6CCE3E6}" v="2" dt="2023-02-22T23:49:47.004"/>
-    <p1510:client id="{D9EBB396-99F1-4898-A795-65E102A5F9E8}" v="4" dt="2023-02-22T23:49:59.402"/>
+    <p1510:client id="{0E4D8707-808B-4384-B9DB-BF292FB8DD56}" v="1" dt="2023-02-26T17:51:38.767"/>
   </p1510:revLst>
 </p1510:revInfo>
 </file>
 
 <file path=ppt/changesInfos/changesInfo1.xml><?xml version="1.0" encoding="utf-8"?>
 <pc:chgInfo xmlns:a="http://schemas.openxmlformats.org/drawingml/2006/main" xmlns:r="http://schemas.openxmlformats.org/officeDocument/2006/relationships" xmlns:ac="http://schemas.microsoft.com/office/drawing/2013/main/command" xmlns:pc="http://schemas.microsoft.com/office/powerpoint/2013/main/command">
+  <pc:docChgLst>
+    <pc:chgData name="AKIYESI SUNDAY" userId="288c33b4a89e8a21" providerId="LiveId" clId="{0E4D8707-808B-4384-B9DB-BF292FB8DD56}"/>
+    <pc:docChg chg="custSel modSld">
+      <pc:chgData name="AKIYESI SUNDAY" userId="288c33b4a89e8a21" providerId="LiveId" clId="{0E4D8707-808B-4384-B9DB-BF292FB8DD56}" dt="2023-02-26T17:54:36.162" v="250" actId="20577"/>
+      <pc:docMkLst>
+        <pc:docMk/>
+      </pc:docMkLst>
+      <pc:sldChg chg="addSp modSp mod">
+        <pc:chgData name="AKIYESI SUNDAY" userId="288c33b4a89e8a21" providerId="LiveId" clId="{0E4D8707-808B-4384-B9DB-BF292FB8DD56}" dt="2023-02-26T17:54:36.162" v="250" actId="20577"/>
+        <pc:sldMkLst>
+          <pc:docMk/>
+          <pc:sldMk cId="3221059471" sldId="262"/>
+        </pc:sldMkLst>
+        <pc:spChg chg="add mod">
+          <ac:chgData name="AKIYESI SUNDAY" userId="288c33b4a89e8a21" providerId="LiveId" clId="{0E4D8707-808B-4384-B9DB-BF292FB8DD56}" dt="2023-02-26T17:54:36.162" v="250" actId="20577"/>
+          <ac:spMkLst>
+            <pc:docMk/>
+            <pc:sldMk cId="3221059471" sldId="262"/>
+            <ac:spMk id="3" creationId="{0AF578F8-F7A3-AAED-6F7D-27D485C21EA7}"/>
+          </ac:spMkLst>
+        </pc:spChg>
+      </pc:sldChg>
+    </pc:docChg>
+  </pc:docChgLst>
   <pc:docChgLst>
     <pc:chgData name="Deepika Mehanti" userId="462f0283decec8b2" providerId="LiveId" clId="{7E99CA33-F6CF-41E7-B911-21C8FD32003F}"/>
     <pc:docChg chg="custSel modSld">
@@ -490,7 +512,7 @@
           <a:p>
             <a:fld id="{EA0C0817-A112-4847-8014-A94B7D2A4EA3}" type="datetime1">
               <a:rPr lang="en-US" smtClean="0"/>
-              <a:t>2/23/2023</a:t>
+              <a:t>2/26/2023</a:t>
             </a:fld>
             <a:endParaRPr lang="en-US"/>
           </a:p>
@@ -658,7 +680,7 @@
           <a:p>
             <a:fld id="{134F40B7-36AB-4376-BE14-EF7004D79BB9}" type="datetime1">
               <a:rPr lang="en-US" smtClean="0"/>
-              <a:t>2/23/2023</a:t>
+              <a:t>2/26/2023</a:t>
             </a:fld>
             <a:endParaRPr lang="en-US"/>
           </a:p>
@@ -836,7 +858,7 @@
           <a:p>
             <a:fld id="{FF87CAB8-DCAE-46A5-AADA-B3FAD11A54E0}" type="datetime1">
               <a:rPr lang="en-US" smtClean="0"/>
-              <a:t>2/23/2023</a:t>
+              <a:t>2/26/2023</a:t>
             </a:fld>
             <a:endParaRPr lang="en-US"/>
           </a:p>
@@ -1004,7 +1026,7 @@
           <a:p>
             <a:fld id="{7332B432-ACDA-4023-A761-2BAB76577B62}" type="datetime1">
               <a:rPr lang="en-US" smtClean="0"/>
-              <a:t>2/23/2023</a:t>
+              <a:t>2/26/2023</a:t>
             </a:fld>
             <a:endParaRPr lang="en-US"/>
           </a:p>
@@ -1261,7 +1283,7 @@
           <a:p>
             <a:fld id="{D9C646AA-F36E-4540-911D-FFFC0A0EF24A}" type="datetime1">
               <a:rPr lang="en-US" smtClean="0"/>
-              <a:t>2/23/2023</a:t>
+              <a:t>2/26/2023</a:t>
             </a:fld>
             <a:endParaRPr lang="en-US"/>
           </a:p>
@@ -1546,7 +1568,7 @@
           <a:p>
             <a:fld id="{69186D26-FA5F-4637-B602-B7C2DC34CFD4}" type="datetime1">
               <a:rPr lang="en-US" smtClean="0"/>
-              <a:t>2/23/2023</a:t>
+              <a:t>2/26/2023</a:t>
             </a:fld>
             <a:endParaRPr lang="en-US"/>
           </a:p>
@@ -1985,7 +2007,7 @@
           <a:p>
             <a:fld id="{8A7F15D8-96D1-4781-BC50-CA8A088B2FE4}" type="datetime1">
               <a:rPr lang="en-US" smtClean="0"/>
-              <a:t>2/23/2023</a:t>
+              <a:t>2/26/2023</a:t>
             </a:fld>
             <a:endParaRPr lang="en-US"/>
           </a:p>
@@ -2102,7 +2124,7 @@
           <a:p>
             <a:fld id="{F9A96C99-B8F8-4528-BD05-0E16E943DC09}" type="datetime1">
               <a:rPr lang="en-US" smtClean="0"/>
-              <a:t>2/23/2023</a:t>
+              <a:t>2/26/2023</a:t>
             </a:fld>
             <a:endParaRPr lang="en-US"/>
           </a:p>
@@ -2197,7 +2219,7 @@
           <a:p>
             <a:fld id="{03636942-C211-4B28-8DBD-C953E00AF71B}" type="datetime1">
               <a:rPr lang="en-US" smtClean="0"/>
-              <a:t>2/23/2023</a:t>
+              <a:t>2/26/2023</a:t>
             </a:fld>
             <a:endParaRPr lang="en-US"/>
           </a:p>
@@ -2483,7 +2505,7 @@
           <a:p>
             <a:fld id="{7E8D12A6-918A-48BD-8CB9-CA713993B0EA}" type="datetime1">
               <a:rPr lang="en-US" smtClean="0"/>
-              <a:t>2/23/2023</a:t>
+              <a:t>2/26/2023</a:t>
             </a:fld>
             <a:endParaRPr lang="en-US"/>
           </a:p>
@@ -2755,7 +2777,7 @@
             <a:fld id="{E778CE86-875F-4587-BCF6-FA054AFC0D53}" type="datetime1">
               <a:rPr lang="en-US" smtClean="0"/>
               <a:pPr/>
-              <a:t>2/23/2023</a:t>
+              <a:t>2/26/2023</a:t>
             </a:fld>
             <a:endParaRPr lang="en-US"/>
           </a:p>
@@ -3051,7 +3073,7 @@
           <a:p>
             <a:fld id="{F6FA2B21-3FCD-4721-B95C-427943F61125}" type="datetime1">
               <a:rPr lang="en-US" smtClean="0"/>
-              <a:t>2/23/2023</a:t>
+              <a:t>2/26/2023</a:t>
             </a:fld>
             <a:endParaRPr lang="en-US"/>
           </a:p>
@@ -6350,6 +6372,117 @@
           </a:p>
         </p:txBody>
       </p:sp>
+      <p:sp>
+        <p:nvSpPr>
+          <p:cNvPr id="3" name="TextBox 2">
+            <a:extLst>
+              <a:ext uri="{FF2B5EF4-FFF2-40B4-BE49-F238E27FC236}">
+                <a16:creationId xmlns:a16="http://schemas.microsoft.com/office/drawing/2014/main" id="{0AF578F8-F7A3-AAED-6F7D-27D485C21EA7}"/>
+              </a:ext>
+            </a:extLst>
+          </p:cNvPr>
+          <p:cNvSpPr txBox="1"/>
+          <p:nvPr/>
+        </p:nvSpPr>
+        <p:spPr>
+          <a:xfrm>
+            <a:off x="4279392" y="1261872"/>
+            <a:ext cx="6876288" cy="2308324"/>
+          </a:xfrm>
+          <a:prstGeom prst="rect">
+            <a:avLst/>
+          </a:prstGeom>
+          <a:noFill/>
+        </p:spPr>
+        <p:txBody>
+          <a:bodyPr wrap="square" rtlCol="0">
+            <a:spAutoFit/>
+          </a:bodyPr>
+          <a:lstStyle/>
+          <a:p>
+            <a:pPr marL="285750" indent="-285750">
+              <a:buFont typeface="Wingdings" panose="05000000000000000000" pitchFamily="2" charset="2"/>
+              <a:buChar char="§"/>
+            </a:pPr>
+            <a:r>
+              <a:rPr lang="en-CA" dirty="0"/>
+              <a:t>ReadMe File</a:t>
+            </a:r>
+          </a:p>
+          <a:p>
+            <a:pPr marL="285750" indent="-285750">
+              <a:buFont typeface="Wingdings" panose="05000000000000000000" pitchFamily="2" charset="2"/>
+              <a:buChar char="§"/>
+            </a:pPr>
+            <a:r>
+              <a:rPr lang="en-CA" dirty="0"/>
+              <a:t>Story behind the Data</a:t>
+            </a:r>
+          </a:p>
+          <a:p>
+            <a:pPr marL="285750" indent="-285750">
+              <a:buFont typeface="Wingdings" panose="05000000000000000000" pitchFamily="2" charset="2"/>
+              <a:buChar char="§"/>
+            </a:pPr>
+            <a:r>
+              <a:rPr lang="en-CA" dirty="0"/>
+              <a:t>Python-Powered Flask</a:t>
+            </a:r>
+          </a:p>
+          <a:p>
+            <a:pPr marL="285750" indent="-285750">
+              <a:buFont typeface="Wingdings" panose="05000000000000000000" pitchFamily="2" charset="2"/>
+              <a:buChar char="§"/>
+            </a:pPr>
+            <a:r>
+              <a:rPr lang="en-CA" dirty="0"/>
+              <a:t>New library (not taught in the class)</a:t>
+            </a:r>
+          </a:p>
+          <a:p>
+            <a:pPr marL="285750" indent="-285750">
+              <a:buFont typeface="Wingdings" panose="05000000000000000000" pitchFamily="2" charset="2"/>
+              <a:buChar char="§"/>
+            </a:pPr>
+            <a:r>
+              <a:rPr lang="en-CA" dirty="0"/>
+              <a:t>Refined the presentation slide</a:t>
+            </a:r>
+          </a:p>
+          <a:p>
+            <a:pPr marL="285750" indent="-285750">
+              <a:buFont typeface="Wingdings" panose="05000000000000000000" pitchFamily="2" charset="2"/>
+              <a:buChar char="§"/>
+            </a:pPr>
+            <a:r>
+              <a:rPr lang="en-CA" dirty="0"/>
+              <a:t>Role Allocation to team members</a:t>
+            </a:r>
+          </a:p>
+          <a:p>
+            <a:pPr marL="285750" indent="-285750">
+              <a:buFont typeface="Wingdings" panose="05000000000000000000" pitchFamily="2" charset="2"/>
+              <a:buChar char="§"/>
+            </a:pPr>
+            <a:r>
+              <a:rPr lang="en-CA" dirty="0"/>
+              <a:t>Plan to meet for 15 minutes (5:10-5:25) before </a:t>
+            </a:r>
+            <a:r>
+              <a:rPr lang="en-CA"/>
+              <a:t>the presentation.</a:t>
+            </a:r>
+            <a:endParaRPr lang="en-CA" dirty="0"/>
+          </a:p>
+          <a:p>
+            <a:pPr marL="285750" indent="-285750">
+              <a:buFont typeface="Wingdings" panose="05000000000000000000" pitchFamily="2" charset="2"/>
+              <a:buChar char="§"/>
+            </a:pPr>
+            <a:endParaRPr lang="en-CA" dirty="0"/>
+          </a:p>
+        </p:txBody>
+      </p:sp>
     </p:spTree>
     <p:extLst>
       <p:ext uri="{BB962C8B-B14F-4D97-AF65-F5344CB8AC3E}">
